--- a/staticfiles/assets/documentos_junin/Certificado_Sistema_Junin.pptx
+++ b/staticfiles/assets/documentos_junin/Certificado_Sistema_Junin.pptx
@@ -63,7 +63,7 @@
         <p:txBody>
           <a:bodyPr/>
           <a:p>
-            <a:fld id="{FA2B725D-436E-4FE7-B9FD-1C4A7EEAFCC8}" type="slidenum">
+            <a:fld id="{50D9E548-6DC6-4D6A-9AC9-324C23FCE450}" type="slidenum">
               <a:t>&lt;#&gt;</a:t>
             </a:fld>
           </a:p>
@@ -272,7 +272,7 @@
         <p:txBody>
           <a:bodyPr/>
           <a:p>
-            <a:fld id="{AB8A2121-46F1-46C3-9745-C2BBAFE478D7}" type="slidenum">
+            <a:fld id="{48B8B954-DC54-4944-A1F9-67F012C1349F}" type="slidenum">
               <a:t>&lt;#&gt;</a:t>
             </a:fld>
           </a:p>
@@ -567,7 +567,7 @@
         <p:txBody>
           <a:bodyPr/>
           <a:p>
-            <a:fld id="{016451FD-47C6-48E4-96BF-A99918243B49}" type="slidenum">
+            <a:fld id="{8D921BF9-8462-47EB-913C-71D39C587D82}" type="slidenum">
               <a:t>&lt;#&gt;</a:t>
             </a:fld>
           </a:p>
@@ -948,7 +948,7 @@
         <p:txBody>
           <a:bodyPr/>
           <a:p>
-            <a:fld id="{E554421F-8F98-4C77-B4AF-55B24C64C3D6}" type="slidenum">
+            <a:fld id="{CFF5BF51-CA54-4832-9524-BAADB1696022}" type="slidenum">
               <a:t>&lt;#&gt;</a:t>
             </a:fld>
           </a:p>
@@ -1111,7 +1111,7 @@
         <p:txBody>
           <a:bodyPr/>
           <a:p>
-            <a:fld id="{97383B1B-2BD0-4F6A-9E37-F9BB36387076}" type="slidenum">
+            <a:fld id="{8D4D7C80-28E2-4ADB-8A07-6CAEC53E6887}" type="slidenum">
               <a:t>&lt;#&gt;</a:t>
             </a:fld>
           </a:p>
@@ -1277,7 +1277,7 @@
         <p:txBody>
           <a:bodyPr/>
           <a:p>
-            <a:fld id="{5B8211BE-7C26-494D-BD5D-FF08B3E1A8AF}" type="slidenum">
+            <a:fld id="{419DF845-BDE7-4702-B0A3-2164242EB3D2}" type="slidenum">
               <a:t>&lt;#&gt;</a:t>
             </a:fld>
           </a:p>
@@ -1486,7 +1486,7 @@
         <p:txBody>
           <a:bodyPr/>
           <a:p>
-            <a:fld id="{8CDB3869-921F-4326-B042-C3030CAC57B3}" type="slidenum">
+            <a:fld id="{205C4453-F497-48BC-9437-D82521223200}" type="slidenum">
               <a:t>&lt;#&gt;</a:t>
             </a:fld>
           </a:p>
@@ -1609,7 +1609,7 @@
         <p:txBody>
           <a:bodyPr/>
           <a:p>
-            <a:fld id="{2BBB2C7D-4A1A-4A22-AD64-B5DCE4A7D428}" type="slidenum">
+            <a:fld id="{405C89D5-8A5B-4010-917F-63770C881A6F}" type="slidenum">
               <a:t>&lt;#&gt;</a:t>
             </a:fld>
           </a:p>
@@ -1730,7 +1730,7 @@
         <p:txBody>
           <a:bodyPr/>
           <a:p>
-            <a:fld id="{0F69921E-5FB8-462F-8034-1E6AE68752D2}" type="slidenum">
+            <a:fld id="{256CA756-40E3-4B35-80F5-6ED085153537}" type="slidenum">
               <a:t>&lt;#&gt;</a:t>
             </a:fld>
           </a:p>
@@ -1982,7 +1982,7 @@
         <p:txBody>
           <a:bodyPr/>
           <a:p>
-            <a:fld id="{61A6855C-C8BE-44C0-9826-EB60730E3C53}" type="slidenum">
+            <a:fld id="{4C3986AF-B523-4896-998E-F03B26DF752F}" type="slidenum">
               <a:t>&lt;#&gt;</a:t>
             </a:fld>
           </a:p>
@@ -2234,7 +2234,7 @@
         <p:txBody>
           <a:bodyPr/>
           <a:p>
-            <a:fld id="{7C238E69-3C4C-4BFC-91FF-B6EEF6359B1A}" type="slidenum">
+            <a:fld id="{25E748F0-8291-4332-A0F8-2746A3FB546E}" type="slidenum">
               <a:t>&lt;#&gt;</a:t>
             </a:fld>
           </a:p>
@@ -2486,7 +2486,7 @@
         <p:txBody>
           <a:bodyPr/>
           <a:p>
-            <a:fld id="{1011D083-4CA9-41E0-81C2-86028E8BD1D0}" type="slidenum">
+            <a:fld id="{94079A07-87DA-479B-ABC8-3B43EBC92B5E}" type="slidenum">
               <a:t>&lt;#&gt;</a:t>
             </a:fld>
           </a:p>
@@ -2555,7 +2555,7 @@
         <p:spPr>
           <a:xfrm>
             <a:off x="3029040" y="6356520"/>
-            <a:ext cx="3084840" cy="363600"/>
+            <a:ext cx="3082680" cy="361440"/>
           </a:xfrm>
           <a:prstGeom prst="rect">
             <a:avLst/>
@@ -2627,7 +2627,7 @@
         <p:spPr>
           <a:xfrm>
             <a:off x="6458040" y="6356520"/>
-            <a:ext cx="2055960" cy="363600"/>
+            <a:ext cx="2053800" cy="361440"/>
           </a:xfrm>
           <a:prstGeom prst="rect">
             <a:avLst/>
@@ -2668,7 +2668,7 @@
                 <a:tab algn="l" pos="0"/>
               </a:tabLst>
             </a:pPr>
-            <a:fld id="{0F8355B1-9B96-4CA9-B6ED-3F34AAE1DA61}" type="slidenum">
+            <a:fld id="{AF690EB9-D348-4CC3-A934-B4352A6467E6}" type="slidenum">
               <a:rPr b="0" lang="es-VE" sz="1200" spc="-1" strike="noStrike">
                 <a:solidFill>
                   <a:srgbClr val="8b8b8b"/>
@@ -2699,7 +2699,7 @@
         <p:spPr>
           <a:xfrm>
             <a:off x="628560" y="6356520"/>
-            <a:ext cx="2055960" cy="363600"/>
+            <a:ext cx="2053800" cy="361440"/>
           </a:xfrm>
           <a:prstGeom prst="rect">
             <a:avLst/>
@@ -3069,8 +3069,8 @@
         </p:blipFill>
         <p:spPr>
           <a:xfrm>
-            <a:off x="37440" y="0"/>
-            <a:ext cx="9142560" cy="6856560"/>
+            <a:off x="1800" y="0"/>
+            <a:ext cx="9140400" cy="6854400"/>
           </a:xfrm>
           <a:prstGeom prst="rect">
             <a:avLst/>
@@ -3088,8 +3088,8 @@
         </p:nvSpPr>
         <p:spPr>
           <a:xfrm>
-            <a:off x="3388320" y="2550240"/>
-            <a:ext cx="657360" cy="455400"/>
+            <a:off x="3460320" y="2622240"/>
+            <a:ext cx="656640" cy="455400"/>
           </a:xfrm>
           <a:prstGeom prst="rect">
             <a:avLst/>
@@ -3145,8 +3145,8 @@
         </p:nvSpPr>
         <p:spPr>
           <a:xfrm>
-            <a:off x="1766880" y="3345480"/>
-            <a:ext cx="1132920" cy="363960"/>
+            <a:off x="1154880" y="3345480"/>
+            <a:ext cx="1132200" cy="363960"/>
           </a:xfrm>
           <a:prstGeom prst="rect">
             <a:avLst/>
@@ -3202,8 +3202,8 @@
         </p:nvSpPr>
         <p:spPr>
           <a:xfrm>
-            <a:off x="135720" y="2024280"/>
-            <a:ext cx="8809920" cy="394560"/>
+            <a:off x="3308040" y="2096280"/>
+            <a:ext cx="2383920" cy="394560"/>
           </a:xfrm>
           <a:prstGeom prst="rect">
             <a:avLst/>
@@ -3232,19 +3232,6 @@
                 <a:tab algn="l" pos="0"/>
               </a:tabLst>
             </a:pPr>
-            <a:r>
-              <a:rPr b="0" lang="es-ES" sz="2000" spc="-1" strike="noStrike">
-                <a:solidFill>
-                  <a:srgbClr val="ffffff"/>
-                </a:solidFill>
-                <a:highlight>
-                  <a:srgbClr val="ffffff"/>
-                </a:highlight>
-                <a:latin typeface="Calibri"/>
-                <a:ea typeface="DejaVu Sans"/>
-              </a:rPr>
-              <a:t> </a:t>
-            </a:r>
             <a:r>
               <a:rPr b="0" lang="es-ES" sz="2000" spc="-1" strike="noStrike">
                 <a:solidFill>
@@ -3276,7 +3263,7 @@
         <p:spPr>
           <a:xfrm>
             <a:off x="7826760" y="5405760"/>
-            <a:ext cx="1827360" cy="272160"/>
+            <a:ext cx="1825200" cy="272160"/>
           </a:xfrm>
           <a:prstGeom prst="rect">
             <a:avLst/>
@@ -3333,7 +3320,7 @@
         <p:spPr>
           <a:xfrm>
             <a:off x="6940080" y="5746680"/>
-            <a:ext cx="1248480" cy="363960"/>
+            <a:ext cx="1248120" cy="363960"/>
           </a:xfrm>
           <a:prstGeom prst="rect">
             <a:avLst/>
@@ -3399,8 +3386,8 @@
         </p:nvSpPr>
         <p:spPr>
           <a:xfrm>
-            <a:off x="3984120" y="2599200"/>
-            <a:ext cx="1774080" cy="363960"/>
+            <a:off x="3984120" y="2641680"/>
+            <a:ext cx="1773720" cy="363960"/>
           </a:xfrm>
           <a:prstGeom prst="rect">
             <a:avLst/>
@@ -3459,8 +3446,8 @@
         </p:nvSpPr>
         <p:spPr>
           <a:xfrm>
-            <a:off x="2822760" y="3348360"/>
-            <a:ext cx="4884840" cy="363960"/>
+            <a:off x="2138760" y="3348360"/>
+            <a:ext cx="4882680" cy="363960"/>
           </a:xfrm>
           <a:prstGeom prst="rect">
             <a:avLst/>
@@ -3517,7 +3504,7 @@
         <p:spPr>
           <a:xfrm>
             <a:off x="7380000" y="3960000"/>
-            <a:ext cx="1440000" cy="1440000"/>
+            <a:ext cx="1437840" cy="1437840"/>
           </a:xfrm>
           <a:prstGeom prst="rect">
             <a:avLst/>
@@ -3542,11 +3529,17 @@
             <a:noAutofit/>
           </a:bodyPr>
           <a:p>
+            <a:pPr>
+              <a:lnSpc>
+                <a:spcPct val="100000"/>
+              </a:lnSpc>
+            </a:pPr>
             <a:endParaRPr b="0" lang="es-VE" sz="1800" spc="-1" strike="noStrike">
               <a:solidFill>
                 <a:srgbClr val="000000"/>
               </a:solidFill>
               <a:latin typeface="Arial"/>
+              <a:ea typeface="DejaVu Sans"/>
             </a:endParaRPr>
           </a:p>
         </p:txBody>
@@ -3560,7 +3553,7 @@
         <p:spPr>
           <a:xfrm>
             <a:off x="7309080" y="3636000"/>
-            <a:ext cx="1546920" cy="1800000"/>
+            <a:ext cx="1544760" cy="1797840"/>
           </a:xfrm>
           <a:prstGeom prst="rect">
             <a:avLst/>
@@ -3606,11 +3599,8 @@
             </a:r>
             <a:endParaRPr b="0" lang="es-VE" sz="7200" spc="-1" strike="noStrike">
               <a:solidFill>
-                <a:srgbClr val="ffffff"/>
-              </a:solidFill>
-              <a:highlight>
-                <a:srgbClr val="ffffff"/>
-              </a:highlight>
+                <a:srgbClr val="000000"/>
+              </a:solidFill>
               <a:latin typeface="Arial"/>
             </a:endParaRPr>
           </a:p>
